--- a/Spotify Data Presentation.pptx
+++ b/Spotify Data Presentation.pptx
@@ -4,6 +4,9 @@
   <p:sldMasterIdLst>
     <p:sldMasterId id="2147483648" r:id="rId1"/>
   </p:sldMasterIdLst>
+  <p:notesMasterIdLst>
+    <p:notesMasterId r:id="rId16"/>
+  </p:notesMasterIdLst>
   <p:sldIdLst>
     <p:sldId id="256" r:id="rId2"/>
     <p:sldId id="257" r:id="rId3"/>
@@ -14,6 +17,11 @@
     <p:sldId id="263" r:id="rId8"/>
     <p:sldId id="264" r:id="rId9"/>
     <p:sldId id="265" r:id="rId10"/>
+    <p:sldId id="266" r:id="rId11"/>
+    <p:sldId id="267" r:id="rId12"/>
+    <p:sldId id="270" r:id="rId13"/>
+    <p:sldId id="268" r:id="rId14"/>
+    <p:sldId id="269" r:id="rId15"/>
   </p:sldIdLst>
   <p:sldSz cx="12192000" cy="6858000"/>
   <p:notesSz cx="6858000" cy="9144000"/>
@@ -112,7 +120,445 @@
       </a:defRPr>
     </a:lvl9pPr>
   </p:defaultTextStyle>
+  <p:extLst>
+    <p:ext uri="{EFAFB233-063F-42B5-8137-9DF3F51BA10A}">
+      <p15:sldGuideLst xmlns:p15="http://schemas.microsoft.com/office/powerpoint/2012/main"/>
+    </p:ext>
+  </p:extLst>
 </p:presentation>
+</file>
+
+<file path=ppt/notesMasters/notesMaster1.xml><?xml version="1.0" encoding="utf-8"?>
+<p:notesMaster xmlns:a="http://schemas.openxmlformats.org/drawingml/2006/main" xmlns:r="http://schemas.openxmlformats.org/officeDocument/2006/relationships" xmlns:p="http://schemas.openxmlformats.org/presentationml/2006/main">
+  <p:cSld>
+    <p:bg>
+      <p:bgRef idx="1001">
+        <a:schemeClr val="bg1"/>
+      </p:bgRef>
+    </p:bg>
+    <p:spTree>
+      <p:nvGrpSpPr>
+        <p:cNvPr id="1" name=""/>
+        <p:cNvGrpSpPr/>
+        <p:nvPr/>
+      </p:nvGrpSpPr>
+      <p:grpSpPr>
+        <a:xfrm>
+          <a:off x="0" y="0"/>
+          <a:ext cx="0" cy="0"/>
+          <a:chOff x="0" y="0"/>
+          <a:chExt cx="0" cy="0"/>
+        </a:xfrm>
+      </p:grpSpPr>
+      <p:sp>
+        <p:nvSpPr>
+          <p:cNvPr id="2" name="Header Placeholder 1"/>
+          <p:cNvSpPr>
+            <a:spLocks noGrp="1"/>
+          </p:cNvSpPr>
+          <p:nvPr>
+            <p:ph type="hdr" sz="quarter"/>
+          </p:nvPr>
+        </p:nvSpPr>
+        <p:spPr>
+          <a:xfrm>
+            <a:off x="0" y="0"/>
+            <a:ext cx="2971800" cy="458788"/>
+          </a:xfrm>
+          <a:prstGeom prst="rect">
+            <a:avLst/>
+          </a:prstGeom>
+        </p:spPr>
+        <p:txBody>
+          <a:bodyPr vert="horz" lIns="91440" tIns="45720" rIns="91440" bIns="45720" rtlCol="0"/>
+          <a:lstStyle>
+            <a:lvl1pPr algn="l">
+              <a:defRPr sz="1200"/>
+            </a:lvl1pPr>
+          </a:lstStyle>
+          <a:p>
+            <a:endParaRPr lang="en-US"/>
+          </a:p>
+        </p:txBody>
+      </p:sp>
+      <p:sp>
+        <p:nvSpPr>
+          <p:cNvPr id="3" name="Date Placeholder 2"/>
+          <p:cNvSpPr>
+            <a:spLocks noGrp="1"/>
+          </p:cNvSpPr>
+          <p:nvPr>
+            <p:ph type="dt" idx="1"/>
+          </p:nvPr>
+        </p:nvSpPr>
+        <p:spPr>
+          <a:xfrm>
+            <a:off x="3884613" y="0"/>
+            <a:ext cx="2971800" cy="458788"/>
+          </a:xfrm>
+          <a:prstGeom prst="rect">
+            <a:avLst/>
+          </a:prstGeom>
+        </p:spPr>
+        <p:txBody>
+          <a:bodyPr vert="horz" lIns="91440" tIns="45720" rIns="91440" bIns="45720" rtlCol="0"/>
+          <a:lstStyle>
+            <a:lvl1pPr algn="r">
+              <a:defRPr sz="1200"/>
+            </a:lvl1pPr>
+          </a:lstStyle>
+          <a:p>
+            <a:fld id="{E5F40EF8-8A1B-EC41-B37E-EDBB89CD72B1}" type="datetimeFigureOut">
+              <a:rPr lang="en-US" smtClean="0"/>
+              <a:t>8/13/25</a:t>
+            </a:fld>
+            <a:endParaRPr lang="en-US"/>
+          </a:p>
+        </p:txBody>
+      </p:sp>
+      <p:sp>
+        <p:nvSpPr>
+          <p:cNvPr id="4" name="Slide Image Placeholder 3"/>
+          <p:cNvSpPr>
+            <a:spLocks noGrp="1" noRot="1" noChangeAspect="1"/>
+          </p:cNvSpPr>
+          <p:nvPr>
+            <p:ph type="sldImg" idx="2"/>
+          </p:nvPr>
+        </p:nvSpPr>
+        <p:spPr>
+          <a:xfrm>
+            <a:off x="685800" y="1143000"/>
+            <a:ext cx="5486400" cy="3086100"/>
+          </a:xfrm>
+          <a:prstGeom prst="rect">
+            <a:avLst/>
+          </a:prstGeom>
+          <a:noFill/>
+          <a:ln w="12700">
+            <a:solidFill>
+              <a:prstClr val="black"/>
+            </a:solidFill>
+          </a:ln>
+        </p:spPr>
+        <p:txBody>
+          <a:bodyPr vert="horz" lIns="91440" tIns="45720" rIns="91440" bIns="45720" rtlCol="0" anchor="ctr"/>
+          <a:lstStyle/>
+          <a:p>
+            <a:endParaRPr lang="en-US"/>
+          </a:p>
+        </p:txBody>
+      </p:sp>
+      <p:sp>
+        <p:nvSpPr>
+          <p:cNvPr id="5" name="Notes Placeholder 4"/>
+          <p:cNvSpPr>
+            <a:spLocks noGrp="1"/>
+          </p:cNvSpPr>
+          <p:nvPr>
+            <p:ph type="body" sz="quarter" idx="3"/>
+          </p:nvPr>
+        </p:nvSpPr>
+        <p:spPr>
+          <a:xfrm>
+            <a:off x="685800" y="4400550"/>
+            <a:ext cx="5486400" cy="3600450"/>
+          </a:xfrm>
+          <a:prstGeom prst="rect">
+            <a:avLst/>
+          </a:prstGeom>
+        </p:spPr>
+        <p:txBody>
+          <a:bodyPr vert="horz" lIns="91440" tIns="45720" rIns="91440" bIns="45720" rtlCol="0"/>
+          <a:lstStyle/>
+          <a:p>
+            <a:pPr lvl="0"/>
+            <a:r>
+              <a:rPr lang="en-US"/>
+              <a:t>Click to edit Master text styles</a:t>
+            </a:r>
+          </a:p>
+          <a:p>
+            <a:pPr lvl="1"/>
+            <a:r>
+              <a:rPr lang="en-US"/>
+              <a:t>Second level</a:t>
+            </a:r>
+          </a:p>
+          <a:p>
+            <a:pPr lvl="2"/>
+            <a:r>
+              <a:rPr lang="en-US"/>
+              <a:t>Third level</a:t>
+            </a:r>
+          </a:p>
+          <a:p>
+            <a:pPr lvl="3"/>
+            <a:r>
+              <a:rPr lang="en-US"/>
+              <a:t>Fourth level</a:t>
+            </a:r>
+          </a:p>
+          <a:p>
+            <a:pPr lvl="4"/>
+            <a:r>
+              <a:rPr lang="en-US"/>
+              <a:t>Fifth level</a:t>
+            </a:r>
+          </a:p>
+        </p:txBody>
+      </p:sp>
+      <p:sp>
+        <p:nvSpPr>
+          <p:cNvPr id="6" name="Footer Placeholder 5"/>
+          <p:cNvSpPr>
+            <a:spLocks noGrp="1"/>
+          </p:cNvSpPr>
+          <p:nvPr>
+            <p:ph type="ftr" sz="quarter" idx="4"/>
+          </p:nvPr>
+        </p:nvSpPr>
+        <p:spPr>
+          <a:xfrm>
+            <a:off x="0" y="8685213"/>
+            <a:ext cx="2971800" cy="458787"/>
+          </a:xfrm>
+          <a:prstGeom prst="rect">
+            <a:avLst/>
+          </a:prstGeom>
+        </p:spPr>
+        <p:txBody>
+          <a:bodyPr vert="horz" lIns="91440" tIns="45720" rIns="91440" bIns="45720" rtlCol="0" anchor="b"/>
+          <a:lstStyle>
+            <a:lvl1pPr algn="l">
+              <a:defRPr sz="1200"/>
+            </a:lvl1pPr>
+          </a:lstStyle>
+          <a:p>
+            <a:endParaRPr lang="en-US"/>
+          </a:p>
+        </p:txBody>
+      </p:sp>
+      <p:sp>
+        <p:nvSpPr>
+          <p:cNvPr id="7" name="Slide Number Placeholder 6"/>
+          <p:cNvSpPr>
+            <a:spLocks noGrp="1"/>
+          </p:cNvSpPr>
+          <p:nvPr>
+            <p:ph type="sldNum" sz="quarter" idx="5"/>
+          </p:nvPr>
+        </p:nvSpPr>
+        <p:spPr>
+          <a:xfrm>
+            <a:off x="3884613" y="8685213"/>
+            <a:ext cx="2971800" cy="458787"/>
+          </a:xfrm>
+          <a:prstGeom prst="rect">
+            <a:avLst/>
+          </a:prstGeom>
+        </p:spPr>
+        <p:txBody>
+          <a:bodyPr vert="horz" lIns="91440" tIns="45720" rIns="91440" bIns="45720" rtlCol="0" anchor="b"/>
+          <a:lstStyle>
+            <a:lvl1pPr algn="r">
+              <a:defRPr sz="1200"/>
+            </a:lvl1pPr>
+          </a:lstStyle>
+          <a:p>
+            <a:fld id="{645FDD4E-EAA4-8645-9A0B-1DC7FAB7868D}" type="slidenum">
+              <a:rPr lang="en-US" smtClean="0"/>
+              <a:t>‹#›</a:t>
+            </a:fld>
+            <a:endParaRPr lang="en-US"/>
+          </a:p>
+        </p:txBody>
+      </p:sp>
+    </p:spTree>
+    <p:extLst>
+      <p:ext uri="{BB962C8B-B14F-4D97-AF65-F5344CB8AC3E}">
+        <p14:creationId xmlns:p14="http://schemas.microsoft.com/office/powerpoint/2010/main" val="1679913098"/>
+      </p:ext>
+    </p:extLst>
+  </p:cSld>
+  <p:clrMap bg1="lt1" tx1="dk1" bg2="lt2" tx2="dk2" accent1="accent1" accent2="accent2" accent3="accent3" accent4="accent4" accent5="accent5" accent6="accent6" hlink="hlink" folHlink="folHlink"/>
+  <p:notesStyle>
+    <a:lvl1pPr marL="0" algn="l" defTabSz="914400" rtl="0" eaLnBrk="1" latinLnBrk="0" hangingPunct="1">
+      <a:defRPr sz="1200" kern="1200">
+        <a:solidFill>
+          <a:schemeClr val="tx1"/>
+        </a:solidFill>
+        <a:latin typeface="+mn-lt"/>
+        <a:ea typeface="+mn-ea"/>
+        <a:cs typeface="+mn-cs"/>
+      </a:defRPr>
+    </a:lvl1pPr>
+    <a:lvl2pPr marL="457200" algn="l" defTabSz="914400" rtl="0" eaLnBrk="1" latinLnBrk="0" hangingPunct="1">
+      <a:defRPr sz="1200" kern="1200">
+        <a:solidFill>
+          <a:schemeClr val="tx1"/>
+        </a:solidFill>
+        <a:latin typeface="+mn-lt"/>
+        <a:ea typeface="+mn-ea"/>
+        <a:cs typeface="+mn-cs"/>
+      </a:defRPr>
+    </a:lvl2pPr>
+    <a:lvl3pPr marL="914400" algn="l" defTabSz="914400" rtl="0" eaLnBrk="1" latinLnBrk="0" hangingPunct="1">
+      <a:defRPr sz="1200" kern="1200">
+        <a:solidFill>
+          <a:schemeClr val="tx1"/>
+        </a:solidFill>
+        <a:latin typeface="+mn-lt"/>
+        <a:ea typeface="+mn-ea"/>
+        <a:cs typeface="+mn-cs"/>
+      </a:defRPr>
+    </a:lvl3pPr>
+    <a:lvl4pPr marL="1371600" algn="l" defTabSz="914400" rtl="0" eaLnBrk="1" latinLnBrk="0" hangingPunct="1">
+      <a:defRPr sz="1200" kern="1200">
+        <a:solidFill>
+          <a:schemeClr val="tx1"/>
+        </a:solidFill>
+        <a:latin typeface="+mn-lt"/>
+        <a:ea typeface="+mn-ea"/>
+        <a:cs typeface="+mn-cs"/>
+      </a:defRPr>
+    </a:lvl4pPr>
+    <a:lvl5pPr marL="1828800" algn="l" defTabSz="914400" rtl="0" eaLnBrk="1" latinLnBrk="0" hangingPunct="1">
+      <a:defRPr sz="1200" kern="1200">
+        <a:solidFill>
+          <a:schemeClr val="tx1"/>
+        </a:solidFill>
+        <a:latin typeface="+mn-lt"/>
+        <a:ea typeface="+mn-ea"/>
+        <a:cs typeface="+mn-cs"/>
+      </a:defRPr>
+    </a:lvl5pPr>
+    <a:lvl6pPr marL="2286000" algn="l" defTabSz="914400" rtl="0" eaLnBrk="1" latinLnBrk="0" hangingPunct="1">
+      <a:defRPr sz="1200" kern="1200">
+        <a:solidFill>
+          <a:schemeClr val="tx1"/>
+        </a:solidFill>
+        <a:latin typeface="+mn-lt"/>
+        <a:ea typeface="+mn-ea"/>
+        <a:cs typeface="+mn-cs"/>
+      </a:defRPr>
+    </a:lvl6pPr>
+    <a:lvl7pPr marL="2743200" algn="l" defTabSz="914400" rtl="0" eaLnBrk="1" latinLnBrk="0" hangingPunct="1">
+      <a:defRPr sz="1200" kern="1200">
+        <a:solidFill>
+          <a:schemeClr val="tx1"/>
+        </a:solidFill>
+        <a:latin typeface="+mn-lt"/>
+        <a:ea typeface="+mn-ea"/>
+        <a:cs typeface="+mn-cs"/>
+      </a:defRPr>
+    </a:lvl7pPr>
+    <a:lvl8pPr marL="3200400" algn="l" defTabSz="914400" rtl="0" eaLnBrk="1" latinLnBrk="0" hangingPunct="1">
+      <a:defRPr sz="1200" kern="1200">
+        <a:solidFill>
+          <a:schemeClr val="tx1"/>
+        </a:solidFill>
+        <a:latin typeface="+mn-lt"/>
+        <a:ea typeface="+mn-ea"/>
+        <a:cs typeface="+mn-cs"/>
+      </a:defRPr>
+    </a:lvl8pPr>
+    <a:lvl9pPr marL="3657600" algn="l" defTabSz="914400" rtl="0" eaLnBrk="1" latinLnBrk="0" hangingPunct="1">
+      <a:defRPr sz="1200" kern="1200">
+        <a:solidFill>
+          <a:schemeClr val="tx1"/>
+        </a:solidFill>
+        <a:latin typeface="+mn-lt"/>
+        <a:ea typeface="+mn-ea"/>
+        <a:cs typeface="+mn-cs"/>
+      </a:defRPr>
+    </a:lvl9pPr>
+  </p:notesStyle>
+</p:notesMaster>
+</file>
+
+<file path=ppt/notesSlides/notesSlide1.xml><?xml version="1.0" encoding="utf-8"?>
+<p:notes xmlns:a="http://schemas.openxmlformats.org/drawingml/2006/main" xmlns:r="http://schemas.openxmlformats.org/officeDocument/2006/relationships" xmlns:p="http://schemas.openxmlformats.org/presentationml/2006/main">
+  <p:cSld>
+    <p:spTree>
+      <p:nvGrpSpPr>
+        <p:cNvPr id="1" name=""/>
+        <p:cNvGrpSpPr/>
+        <p:nvPr/>
+      </p:nvGrpSpPr>
+      <p:grpSpPr>
+        <a:xfrm>
+          <a:off x="0" y="0"/>
+          <a:ext cx="0" cy="0"/>
+          <a:chOff x="0" y="0"/>
+          <a:chExt cx="0" cy="0"/>
+        </a:xfrm>
+      </p:grpSpPr>
+      <p:sp>
+        <p:nvSpPr>
+          <p:cNvPr id="2" name="Slide Image Placeholder 1"/>
+          <p:cNvSpPr>
+            <a:spLocks noGrp="1" noRot="1" noChangeAspect="1"/>
+          </p:cNvSpPr>
+          <p:nvPr>
+            <p:ph type="sldImg"/>
+          </p:nvPr>
+        </p:nvSpPr>
+        <p:spPr/>
+      </p:sp>
+      <p:sp>
+        <p:nvSpPr>
+          <p:cNvPr id="3" name="Notes Placeholder 2"/>
+          <p:cNvSpPr>
+            <a:spLocks noGrp="1"/>
+          </p:cNvSpPr>
+          <p:nvPr>
+            <p:ph type="body" idx="1"/>
+          </p:nvPr>
+        </p:nvSpPr>
+        <p:spPr/>
+        <p:txBody>
+          <a:bodyPr/>
+          <a:lstStyle/>
+          <a:p>
+            <a:endParaRPr lang="en-US" dirty="0"/>
+          </a:p>
+        </p:txBody>
+      </p:sp>
+      <p:sp>
+        <p:nvSpPr>
+          <p:cNvPr id="4" name="Slide Number Placeholder 3"/>
+          <p:cNvSpPr>
+            <a:spLocks noGrp="1"/>
+          </p:cNvSpPr>
+          <p:nvPr>
+            <p:ph type="sldNum" sz="quarter" idx="5"/>
+          </p:nvPr>
+        </p:nvSpPr>
+        <p:spPr/>
+        <p:txBody>
+          <a:bodyPr/>
+          <a:lstStyle/>
+          <a:p>
+            <a:fld id="{645FDD4E-EAA4-8645-9A0B-1DC7FAB7868D}" type="slidenum">
+              <a:rPr lang="en-US" smtClean="0"/>
+              <a:t>13</a:t>
+            </a:fld>
+            <a:endParaRPr lang="en-US"/>
+          </a:p>
+        </p:txBody>
+      </p:sp>
+    </p:spTree>
+    <p:extLst>
+      <p:ext uri="{BB962C8B-B14F-4D97-AF65-F5344CB8AC3E}">
+        <p14:creationId xmlns:p14="http://schemas.microsoft.com/office/powerpoint/2010/main" val="19951785"/>
+      </p:ext>
+    </p:extLst>
+  </p:cSld>
+  <p:clrMapOvr>
+    <a:masterClrMapping/>
+  </p:clrMapOvr>
+</p:notes>
 </file>
 
 <file path=ppt/slideLayouts/slideLayout1.xml><?xml version="1.0" encoding="utf-8"?>
@@ -838,7 +1284,7 @@
             <a:fld id="{B61BEF0D-F0BB-DE4B-95CE-6DB70DBA9567}" type="datetimeFigureOut">
               <a:rPr lang="en-US" dirty="0"/>
               <a:pPr/>
-              <a:t>8/9/25</a:t>
+              <a:t>8/12/25</a:t>
             </a:fld>
             <a:endParaRPr lang="en-US" dirty="0"/>
           </a:p>
@@ -1086,7 +1532,7 @@
             <a:fld id="{B61BEF0D-F0BB-DE4B-95CE-6DB70DBA9567}" type="datetimeFigureOut">
               <a:rPr lang="en-US" dirty="0"/>
               <a:pPr/>
-              <a:t>8/9/25</a:t>
+              <a:t>8/12/25</a:t>
             </a:fld>
             <a:endParaRPr lang="en-US" dirty="0"/>
           </a:p>
@@ -1397,7 +1843,7 @@
             <a:fld id="{B61BEF0D-F0BB-DE4B-95CE-6DB70DBA9567}" type="datetimeFigureOut">
               <a:rPr lang="en-US" dirty="0"/>
               <a:pPr/>
-              <a:t>8/9/25</a:t>
+              <a:t>8/12/25</a:t>
             </a:fld>
             <a:endParaRPr lang="en-US" dirty="0"/>
           </a:p>
@@ -1735,7 +2181,7 @@
             <a:fld id="{B61BEF0D-F0BB-DE4B-95CE-6DB70DBA9567}" type="datetimeFigureOut">
               <a:rPr lang="en-US" dirty="0"/>
               <a:pPr/>
-              <a:t>8/9/25</a:t>
+              <a:t>8/12/25</a:t>
             </a:fld>
             <a:endParaRPr lang="en-US" dirty="0"/>
           </a:p>
@@ -2046,7 +2492,7 @@
             <a:fld id="{B61BEF0D-F0BB-DE4B-95CE-6DB70DBA9567}" type="datetimeFigureOut">
               <a:rPr lang="en-US" dirty="0"/>
               <a:pPr/>
-              <a:t>8/9/25</a:t>
+              <a:t>8/12/25</a:t>
             </a:fld>
             <a:endParaRPr lang="en-US" dirty="0"/>
           </a:p>
@@ -2436,7 +2882,7 @@
             <a:fld id="{B61BEF0D-F0BB-DE4B-95CE-6DB70DBA9567}" type="datetimeFigureOut">
               <a:rPr lang="en-US" dirty="0"/>
               <a:pPr/>
-              <a:t>8/9/25</a:t>
+              <a:t>8/12/25</a:t>
             </a:fld>
             <a:endParaRPr lang="en-US" dirty="0"/>
           </a:p>
@@ -2602,7 +3048,7 @@
           <a:p>
             <a:fld id="{55C6B4A9-1611-4792-9094-5F34BCA07E0B}" type="datetimeFigureOut">
               <a:rPr lang="en-US" dirty="0"/>
-              <a:t>8/9/25</a:t>
+              <a:t>8/12/25</a:t>
             </a:fld>
             <a:endParaRPr lang="en-US" dirty="0"/>
           </a:p>
@@ -2778,7 +3224,7 @@
             <a:fld id="{B61BEF0D-F0BB-DE4B-95CE-6DB70DBA9567}" type="datetimeFigureOut">
               <a:rPr lang="en-US" dirty="0"/>
               <a:pPr/>
-              <a:t>8/9/25</a:t>
+              <a:t>8/12/25</a:t>
             </a:fld>
             <a:endParaRPr lang="en-US" dirty="0"/>
           </a:p>
@@ -2951,7 +3397,7 @@
             <a:fld id="{B61BEF0D-F0BB-DE4B-95CE-6DB70DBA9567}" type="datetimeFigureOut">
               <a:rPr lang="en-US" dirty="0"/>
               <a:pPr/>
-              <a:t>8/9/25</a:t>
+              <a:t>8/12/25</a:t>
             </a:fld>
             <a:endParaRPr lang="en-US" dirty="0"/>
           </a:p>
@@ -3195,7 +3641,7 @@
             <a:fld id="{B61BEF0D-F0BB-DE4B-95CE-6DB70DBA9567}" type="datetimeFigureOut">
               <a:rPr lang="en-US" dirty="0"/>
               <a:pPr/>
-              <a:t>8/9/25</a:t>
+              <a:t>8/12/25</a:t>
             </a:fld>
             <a:endParaRPr lang="en-US" dirty="0"/>
           </a:p>
@@ -3423,7 +3869,7 @@
           <a:p>
             <a:fld id="{EB712588-04B1-427B-82EE-E8DB90309F08}" type="datetimeFigureOut">
               <a:rPr lang="en-US" dirty="0"/>
-              <a:t>8/9/25</a:t>
+              <a:t>8/12/25</a:t>
             </a:fld>
             <a:endParaRPr lang="en-US" dirty="0"/>
           </a:p>
@@ -3793,7 +4239,7 @@
             <a:fld id="{B61BEF0D-F0BB-DE4B-95CE-6DB70DBA9567}" type="datetimeFigureOut">
               <a:rPr lang="en-US" dirty="0"/>
               <a:pPr/>
-              <a:t>8/9/25</a:t>
+              <a:t>8/12/25</a:t>
             </a:fld>
             <a:endParaRPr lang="en-US" dirty="0"/>
           </a:p>
@@ -3913,7 +4359,7 @@
             <a:fld id="{B61BEF0D-F0BB-DE4B-95CE-6DB70DBA9567}" type="datetimeFigureOut">
               <a:rPr lang="en-US" dirty="0"/>
               <a:pPr/>
-              <a:t>8/9/25</a:t>
+              <a:t>8/12/25</a:t>
             </a:fld>
             <a:endParaRPr lang="en-US" dirty="0"/>
           </a:p>
@@ -4005,7 +4451,7 @@
             <a:fld id="{B61BEF0D-F0BB-DE4B-95CE-6DB70DBA9567}" type="datetimeFigureOut">
               <a:rPr lang="en-US" dirty="0"/>
               <a:pPr/>
-              <a:t>8/9/25</a:t>
+              <a:t>8/12/25</a:t>
             </a:fld>
             <a:endParaRPr lang="en-US" dirty="0"/>
           </a:p>
@@ -4256,7 +4702,7 @@
           <a:p>
             <a:fld id="{42A54C80-263E-416B-A8E0-580EDEADCBDC}" type="datetimeFigureOut">
               <a:rPr lang="en-US" dirty="0"/>
-              <a:t>8/9/25</a:t>
+              <a:t>8/12/25</a:t>
             </a:fld>
             <a:endParaRPr lang="en-US" dirty="0"/>
           </a:p>
@@ -4515,7 +4961,7 @@
             <a:fld id="{B61BEF0D-F0BB-DE4B-95CE-6DB70DBA9567}" type="datetimeFigureOut">
               <a:rPr lang="en-US" dirty="0"/>
               <a:pPr/>
-              <a:t>8/9/25</a:t>
+              <a:t>8/12/25</a:t>
             </a:fld>
             <a:endParaRPr lang="en-US" dirty="0"/>
           </a:p>
@@ -5255,7 +5701,7 @@
             <a:fld id="{B61BEF0D-F0BB-DE4B-95CE-6DB70DBA9567}" type="datetimeFigureOut">
               <a:rPr lang="en-US" dirty="0"/>
               <a:pPr/>
-              <a:t>8/9/25</a:t>
+              <a:t>8/12/25</a:t>
             </a:fld>
             <a:endParaRPr lang="en-US" dirty="0"/>
           </a:p>
@@ -5889,6 +6335,534 @@
 </p:sld>
 </file>
 
+<file path=ppt/slides/slide10.xml><?xml version="1.0" encoding="utf-8"?>
+<p:sld xmlns:a="http://schemas.openxmlformats.org/drawingml/2006/main" xmlns:r="http://schemas.openxmlformats.org/officeDocument/2006/relationships" xmlns:p="http://schemas.openxmlformats.org/presentationml/2006/main">
+  <p:cSld>
+    <p:spTree>
+      <p:nvGrpSpPr>
+        <p:cNvPr id="1" name=""/>
+        <p:cNvGrpSpPr/>
+        <p:nvPr/>
+      </p:nvGrpSpPr>
+      <p:grpSpPr>
+        <a:xfrm>
+          <a:off x="0" y="0"/>
+          <a:ext cx="0" cy="0"/>
+          <a:chOff x="0" y="0"/>
+          <a:chExt cx="0" cy="0"/>
+        </a:xfrm>
+      </p:grpSpPr>
+      <p:sp>
+        <p:nvSpPr>
+          <p:cNvPr id="2" name="Title 1">
+            <a:extLst>
+              <a:ext uri="{FF2B5EF4-FFF2-40B4-BE49-F238E27FC236}">
+                <a16:creationId xmlns:a16="http://schemas.microsoft.com/office/drawing/2014/main" id="{719FEFF4-D4F6-D436-F30F-0225C289089C}"/>
+              </a:ext>
+            </a:extLst>
+          </p:cNvPr>
+          <p:cNvSpPr>
+            <a:spLocks noGrp="1"/>
+          </p:cNvSpPr>
+          <p:nvPr>
+            <p:ph type="title"/>
+          </p:nvPr>
+        </p:nvSpPr>
+        <p:spPr/>
+        <p:txBody>
+          <a:bodyPr/>
+          <a:lstStyle/>
+          <a:p>
+            <a:r>
+              <a:rPr lang="en-US" dirty="0"/>
+              <a:t>Linear Model to Predict Streams</a:t>
+            </a:r>
+          </a:p>
+        </p:txBody>
+      </p:sp>
+      <p:sp>
+        <p:nvSpPr>
+          <p:cNvPr id="3" name="Content Placeholder 2">
+            <a:extLst>
+              <a:ext uri="{FF2B5EF4-FFF2-40B4-BE49-F238E27FC236}">
+                <a16:creationId xmlns:a16="http://schemas.microsoft.com/office/drawing/2014/main" id="{969B77B5-56F1-25A3-CD77-AF60B041D16B}"/>
+              </a:ext>
+            </a:extLst>
+          </p:cNvPr>
+          <p:cNvSpPr>
+            <a:spLocks noGrp="1"/>
+          </p:cNvSpPr>
+          <p:nvPr>
+            <p:ph idx="1"/>
+          </p:nvPr>
+        </p:nvSpPr>
+        <p:spPr>
+          <a:xfrm>
+            <a:off x="711201" y="1521491"/>
+            <a:ext cx="3295576" cy="3880773"/>
+          </a:xfrm>
+        </p:spPr>
+        <p:txBody>
+          <a:bodyPr/>
+          <a:lstStyle/>
+          <a:p>
+            <a:r>
+              <a:rPr lang="en-US" dirty="0"/>
+              <a:t>Trained the linear model using the selected playlist inputs to predict total streams from same data.</a:t>
+            </a:r>
+          </a:p>
+          <a:p>
+            <a:r>
+              <a:rPr lang="en-US" dirty="0"/>
+              <a:t>R^2 resulted in 0.68. Removing outliers improved the model to 0.71, but I kept the original model.</a:t>
+            </a:r>
+          </a:p>
+          <a:p>
+            <a:endParaRPr lang="en-US" dirty="0"/>
+          </a:p>
+        </p:txBody>
+      </p:sp>
+      <p:pic>
+        <p:nvPicPr>
+          <p:cNvPr id="5" name="Picture 4">
+            <a:extLst>
+              <a:ext uri="{FF2B5EF4-FFF2-40B4-BE49-F238E27FC236}">
+                <a16:creationId xmlns:a16="http://schemas.microsoft.com/office/drawing/2014/main" id="{D9BF4574-269F-CD77-72CC-7C8A057F4B27}"/>
+              </a:ext>
+            </a:extLst>
+          </p:cNvPr>
+          <p:cNvPicPr>
+            <a:picLocks noChangeAspect="1"/>
+          </p:cNvPicPr>
+          <p:nvPr/>
+        </p:nvPicPr>
+        <p:blipFill>
+          <a:blip r:embed="rId2"/>
+          <a:stretch>
+            <a:fillRect/>
+          </a:stretch>
+        </p:blipFill>
+        <p:spPr>
+          <a:xfrm>
+            <a:off x="4424856" y="1521491"/>
+            <a:ext cx="4724983" cy="5034993"/>
+          </a:xfrm>
+          <a:prstGeom prst="rect">
+            <a:avLst/>
+          </a:prstGeom>
+        </p:spPr>
+      </p:pic>
+    </p:spTree>
+    <p:extLst>
+      <p:ext uri="{BB962C8B-B14F-4D97-AF65-F5344CB8AC3E}">
+        <p14:creationId xmlns:p14="http://schemas.microsoft.com/office/powerpoint/2010/main" val="3126194864"/>
+      </p:ext>
+    </p:extLst>
+  </p:cSld>
+  <p:clrMapOvr>
+    <a:masterClrMapping/>
+  </p:clrMapOvr>
+</p:sld>
+</file>
+
+<file path=ppt/slides/slide11.xml><?xml version="1.0" encoding="utf-8"?>
+<p:sld xmlns:a="http://schemas.openxmlformats.org/drawingml/2006/main" xmlns:r="http://schemas.openxmlformats.org/officeDocument/2006/relationships" xmlns:p="http://schemas.openxmlformats.org/presentationml/2006/main">
+  <p:cSld>
+    <p:spTree>
+      <p:nvGrpSpPr>
+        <p:cNvPr id="1" name=""/>
+        <p:cNvGrpSpPr/>
+        <p:nvPr/>
+      </p:nvGrpSpPr>
+      <p:grpSpPr>
+        <a:xfrm>
+          <a:off x="0" y="0"/>
+          <a:ext cx="0" cy="0"/>
+          <a:chOff x="0" y="0"/>
+          <a:chExt cx="0" cy="0"/>
+        </a:xfrm>
+      </p:grpSpPr>
+      <p:sp>
+        <p:nvSpPr>
+          <p:cNvPr id="4" name="Title 3">
+            <a:extLst>
+              <a:ext uri="{FF2B5EF4-FFF2-40B4-BE49-F238E27FC236}">
+                <a16:creationId xmlns:a16="http://schemas.microsoft.com/office/drawing/2014/main" id="{1E5E331C-2DCE-B4F1-3C4C-3D3FBE551155}"/>
+              </a:ext>
+            </a:extLst>
+          </p:cNvPr>
+          <p:cNvSpPr>
+            <a:spLocks noGrp="1"/>
+          </p:cNvSpPr>
+          <p:nvPr>
+            <p:ph type="title"/>
+          </p:nvPr>
+        </p:nvSpPr>
+        <p:spPr/>
+        <p:txBody>
+          <a:bodyPr/>
+          <a:lstStyle/>
+          <a:p>
+            <a:r>
+              <a:rPr lang="en-US" dirty="0">
+                <a:hlinkClick r:id="rId2"/>
+              </a:rPr>
+              <a:t>Shiny App</a:t>
+            </a:r>
+            <a:endParaRPr lang="en-US" dirty="0"/>
+          </a:p>
+        </p:txBody>
+      </p:sp>
+    </p:spTree>
+    <p:extLst>
+      <p:ext uri="{BB962C8B-B14F-4D97-AF65-F5344CB8AC3E}">
+        <p14:creationId xmlns:p14="http://schemas.microsoft.com/office/powerpoint/2010/main" val="2363564190"/>
+      </p:ext>
+    </p:extLst>
+  </p:cSld>
+  <p:clrMapOvr>
+    <a:masterClrMapping/>
+  </p:clrMapOvr>
+</p:sld>
+</file>
+
+<file path=ppt/slides/slide12.xml><?xml version="1.0" encoding="utf-8"?>
+<p:sld xmlns:a="http://schemas.openxmlformats.org/drawingml/2006/main" xmlns:r="http://schemas.openxmlformats.org/officeDocument/2006/relationships" xmlns:p="http://schemas.openxmlformats.org/presentationml/2006/main">
+  <p:cSld>
+    <p:spTree>
+      <p:nvGrpSpPr>
+        <p:cNvPr id="1" name=""/>
+        <p:cNvGrpSpPr/>
+        <p:nvPr/>
+      </p:nvGrpSpPr>
+      <p:grpSpPr>
+        <a:xfrm>
+          <a:off x="0" y="0"/>
+          <a:ext cx="0" cy="0"/>
+          <a:chOff x="0" y="0"/>
+          <a:chExt cx="0" cy="0"/>
+        </a:xfrm>
+      </p:grpSpPr>
+      <p:sp>
+        <p:nvSpPr>
+          <p:cNvPr id="3" name="Title 2">
+            <a:extLst>
+              <a:ext uri="{FF2B5EF4-FFF2-40B4-BE49-F238E27FC236}">
+                <a16:creationId xmlns:a16="http://schemas.microsoft.com/office/drawing/2014/main" id="{2B022C75-DCE9-1A65-A55C-8505E54ED436}"/>
+              </a:ext>
+            </a:extLst>
+          </p:cNvPr>
+          <p:cNvSpPr>
+            <a:spLocks noGrp="1"/>
+          </p:cNvSpPr>
+          <p:nvPr>
+            <p:ph type="title"/>
+          </p:nvPr>
+        </p:nvSpPr>
+        <p:spPr/>
+        <p:txBody>
+          <a:bodyPr/>
+          <a:lstStyle/>
+          <a:p>
+            <a:r>
+              <a:rPr lang="en-US" dirty="0"/>
+              <a:t>Key Takeaways </a:t>
+            </a:r>
+          </a:p>
+        </p:txBody>
+      </p:sp>
+      <p:sp>
+        <p:nvSpPr>
+          <p:cNvPr id="4" name="Content Placeholder 3">
+            <a:extLst>
+              <a:ext uri="{FF2B5EF4-FFF2-40B4-BE49-F238E27FC236}">
+                <a16:creationId xmlns:a16="http://schemas.microsoft.com/office/drawing/2014/main" id="{32D29546-AED7-AD14-32AD-CEF312D701FB}"/>
+              </a:ext>
+            </a:extLst>
+          </p:cNvPr>
+          <p:cNvSpPr>
+            <a:spLocks noGrp="1"/>
+          </p:cNvSpPr>
+          <p:nvPr>
+            <p:ph idx="1"/>
+          </p:nvPr>
+        </p:nvSpPr>
+        <p:spPr/>
+        <p:txBody>
+          <a:bodyPr/>
+          <a:lstStyle/>
+          <a:p>
+            <a:r>
+              <a:rPr lang="en-US" dirty="0"/>
+              <a:t>The most popular songs don’t tend to share the same characteristics each year.</a:t>
+            </a:r>
+          </a:p>
+          <a:p>
+            <a:r>
+              <a:rPr lang="en-US" dirty="0"/>
+              <a:t>A variety of genres and artists are represented for the most streamed songs overall.</a:t>
+            </a:r>
+          </a:p>
+          <a:p>
+            <a:r>
+              <a:rPr lang="en-US" dirty="0"/>
+              <a:t>A higher number of playlist appearances in Spotify, Apple, and Deezer are most correlated to higher streaming numbers on Spotify.</a:t>
+            </a:r>
+          </a:p>
+        </p:txBody>
+      </p:sp>
+    </p:spTree>
+    <p:extLst>
+      <p:ext uri="{BB962C8B-B14F-4D97-AF65-F5344CB8AC3E}">
+        <p14:creationId xmlns:p14="http://schemas.microsoft.com/office/powerpoint/2010/main" val="3734102761"/>
+      </p:ext>
+    </p:extLst>
+  </p:cSld>
+  <p:clrMapOvr>
+    <a:masterClrMapping/>
+  </p:clrMapOvr>
+</p:sld>
+</file>
+
+<file path=ppt/slides/slide13.xml><?xml version="1.0" encoding="utf-8"?>
+<p:sld xmlns:a="http://schemas.openxmlformats.org/drawingml/2006/main" xmlns:r="http://schemas.openxmlformats.org/officeDocument/2006/relationships" xmlns:p="http://schemas.openxmlformats.org/presentationml/2006/main">
+  <p:cSld>
+    <p:spTree>
+      <p:nvGrpSpPr>
+        <p:cNvPr id="1" name=""/>
+        <p:cNvGrpSpPr/>
+        <p:nvPr/>
+      </p:nvGrpSpPr>
+      <p:grpSpPr>
+        <a:xfrm>
+          <a:off x="0" y="0"/>
+          <a:ext cx="0" cy="0"/>
+          <a:chOff x="0" y="0"/>
+          <a:chExt cx="0" cy="0"/>
+        </a:xfrm>
+      </p:grpSpPr>
+      <p:sp>
+        <p:nvSpPr>
+          <p:cNvPr id="3" name="Title 2">
+            <a:extLst>
+              <a:ext uri="{FF2B5EF4-FFF2-40B4-BE49-F238E27FC236}">
+                <a16:creationId xmlns:a16="http://schemas.microsoft.com/office/drawing/2014/main" id="{61C9ACF2-D923-2975-8EDC-543187C0B9F5}"/>
+              </a:ext>
+            </a:extLst>
+          </p:cNvPr>
+          <p:cNvSpPr>
+            <a:spLocks noGrp="1"/>
+          </p:cNvSpPr>
+          <p:nvPr>
+            <p:ph type="title"/>
+          </p:nvPr>
+        </p:nvSpPr>
+        <p:spPr/>
+        <p:txBody>
+          <a:bodyPr/>
+          <a:lstStyle/>
+          <a:p>
+            <a:r>
+              <a:rPr lang="en-US" dirty="0"/>
+              <a:t>Future Work</a:t>
+            </a:r>
+          </a:p>
+        </p:txBody>
+      </p:sp>
+      <p:sp>
+        <p:nvSpPr>
+          <p:cNvPr id="4" name="Content Placeholder 3">
+            <a:extLst>
+              <a:ext uri="{FF2B5EF4-FFF2-40B4-BE49-F238E27FC236}">
+                <a16:creationId xmlns:a16="http://schemas.microsoft.com/office/drawing/2014/main" id="{5B444E7B-4CA1-660F-77AD-EA54AD70AB99}"/>
+              </a:ext>
+            </a:extLst>
+          </p:cNvPr>
+          <p:cNvSpPr>
+            <a:spLocks noGrp="1"/>
+          </p:cNvSpPr>
+          <p:nvPr>
+            <p:ph idx="1"/>
+          </p:nvPr>
+        </p:nvSpPr>
+        <p:spPr/>
+        <p:txBody>
+          <a:bodyPr/>
+          <a:lstStyle/>
+          <a:p>
+            <a:r>
+              <a:rPr lang="en-US" dirty="0"/>
+              <a:t>If other streaming platform metrics are available, compare the numbers for performance across other platforms.</a:t>
+            </a:r>
+          </a:p>
+          <a:p>
+            <a:r>
+              <a:rPr lang="en-US" dirty="0"/>
+              <a:t>If tour and concert data is available, compare their success to streams for the applicable years.</a:t>
+            </a:r>
+          </a:p>
+          <a:p>
+            <a:r>
+              <a:rPr lang="en-US" dirty="0"/>
+              <a:t>Check other indicators of streaming success.</a:t>
+            </a:r>
+          </a:p>
+          <a:p>
+            <a:pPr lvl="1"/>
+            <a:r>
+              <a:rPr lang="en-US" dirty="0"/>
+              <a:t>Viral trends in social media or other media platforms to look for spikes in streams if stream data by date can be found.</a:t>
+            </a:r>
+          </a:p>
+          <a:p>
+            <a:pPr lvl="1"/>
+            <a:endParaRPr lang="en-US" dirty="0"/>
+          </a:p>
+        </p:txBody>
+      </p:sp>
+    </p:spTree>
+    <p:extLst>
+      <p:ext uri="{BB962C8B-B14F-4D97-AF65-F5344CB8AC3E}">
+        <p14:creationId xmlns:p14="http://schemas.microsoft.com/office/powerpoint/2010/main" val="3150730989"/>
+      </p:ext>
+    </p:extLst>
+  </p:cSld>
+  <p:clrMapOvr>
+    <a:masterClrMapping/>
+  </p:clrMapOvr>
+</p:sld>
+</file>
+
+<file path=ppt/slides/slide14.xml><?xml version="1.0" encoding="utf-8"?>
+<p:sld xmlns:a="http://schemas.openxmlformats.org/drawingml/2006/main" xmlns:r="http://schemas.openxmlformats.org/officeDocument/2006/relationships" xmlns:p="http://schemas.openxmlformats.org/presentationml/2006/main">
+  <p:cSld>
+    <p:spTree>
+      <p:nvGrpSpPr>
+        <p:cNvPr id="1" name=""/>
+        <p:cNvGrpSpPr/>
+        <p:nvPr/>
+      </p:nvGrpSpPr>
+      <p:grpSpPr>
+        <a:xfrm>
+          <a:off x="0" y="0"/>
+          <a:ext cx="0" cy="0"/>
+          <a:chOff x="0" y="0"/>
+          <a:chExt cx="0" cy="0"/>
+        </a:xfrm>
+      </p:grpSpPr>
+      <p:sp>
+        <p:nvSpPr>
+          <p:cNvPr id="4" name="Title 3">
+            <a:extLst>
+              <a:ext uri="{FF2B5EF4-FFF2-40B4-BE49-F238E27FC236}">
+                <a16:creationId xmlns:a16="http://schemas.microsoft.com/office/drawing/2014/main" id="{F5292F04-E915-758A-C0BF-2028F50136B8}"/>
+              </a:ext>
+            </a:extLst>
+          </p:cNvPr>
+          <p:cNvSpPr>
+            <a:spLocks noGrp="1"/>
+          </p:cNvSpPr>
+          <p:nvPr>
+            <p:ph type="title"/>
+          </p:nvPr>
+        </p:nvSpPr>
+        <p:spPr/>
+        <p:txBody>
+          <a:bodyPr/>
+          <a:lstStyle/>
+          <a:p>
+            <a:r>
+              <a:rPr lang="en-US" dirty="0"/>
+              <a:t>Questions</a:t>
+            </a:r>
+          </a:p>
+        </p:txBody>
+      </p:sp>
+      <p:sp>
+        <p:nvSpPr>
+          <p:cNvPr id="5" name="Content Placeholder 4">
+            <a:extLst>
+              <a:ext uri="{FF2B5EF4-FFF2-40B4-BE49-F238E27FC236}">
+                <a16:creationId xmlns:a16="http://schemas.microsoft.com/office/drawing/2014/main" id="{C846CB6F-FC2C-3C62-28B5-CA78B4EB2A92}"/>
+              </a:ext>
+            </a:extLst>
+          </p:cNvPr>
+          <p:cNvSpPr>
+            <a:spLocks noGrp="1"/>
+          </p:cNvSpPr>
+          <p:nvPr>
+            <p:ph idx="1"/>
+          </p:nvPr>
+        </p:nvSpPr>
+        <p:spPr/>
+        <p:txBody>
+          <a:bodyPr/>
+          <a:lstStyle/>
+          <a:p>
+            <a:endParaRPr lang="en-US" dirty="0"/>
+          </a:p>
+        </p:txBody>
+      </p:sp>
+      <p:pic>
+        <p:nvPicPr>
+          <p:cNvPr id="1030" name="Picture 6" descr="Spotify - Web Player: Music for everyone">
+            <a:extLst>
+              <a:ext uri="{FF2B5EF4-FFF2-40B4-BE49-F238E27FC236}">
+                <a16:creationId xmlns:a16="http://schemas.microsoft.com/office/drawing/2014/main" id="{3B6C404A-E151-28DE-B499-9DDED1D219E4}"/>
+              </a:ext>
+            </a:extLst>
+          </p:cNvPr>
+          <p:cNvPicPr>
+            <a:picLocks noChangeAspect="1" noChangeArrowheads="1"/>
+          </p:cNvPicPr>
+          <p:nvPr/>
+        </p:nvPicPr>
+        <p:blipFill>
+          <a:blip r:embed="rId2">
+            <a:extLst>
+              <a:ext uri="{28A0092B-C50C-407E-A947-70E740481C1C}">
+                <a14:useLocalDpi xmlns:a14="http://schemas.microsoft.com/office/drawing/2010/main" val="0"/>
+              </a:ext>
+            </a:extLst>
+          </a:blip>
+          <a:srcRect/>
+          <a:stretch>
+            <a:fillRect/>
+          </a:stretch>
+        </p:blipFill>
+        <p:spPr bwMode="auto">
+          <a:xfrm>
+            <a:off x="367862" y="1484071"/>
+            <a:ext cx="10016359" cy="5233808"/>
+          </a:xfrm>
+          <a:prstGeom prst="rect">
+            <a:avLst/>
+          </a:prstGeom>
+          <a:noFill/>
+          <a:extLst>
+            <a:ext uri="{909E8E84-426E-40DD-AFC4-6F175D3DCCD1}">
+              <a14:hiddenFill xmlns:a14="http://schemas.microsoft.com/office/drawing/2010/main">
+                <a:solidFill>
+                  <a:srgbClr val="FFFFFF"/>
+                </a:solidFill>
+              </a14:hiddenFill>
+            </a:ext>
+          </a:extLst>
+        </p:spPr>
+      </p:pic>
+    </p:spTree>
+    <p:extLst>
+      <p:ext uri="{BB962C8B-B14F-4D97-AF65-F5344CB8AC3E}">
+        <p14:creationId xmlns:p14="http://schemas.microsoft.com/office/powerpoint/2010/main" val="3637606322"/>
+      </p:ext>
+    </p:extLst>
+  </p:cSld>
+  <p:clrMapOvr>
+    <a:masterClrMapping/>
+  </p:clrMapOvr>
+</p:sld>
+</file>
+
 <file path=ppt/slides/slide2.xml><?xml version="1.0" encoding="utf-8"?>
 <p:sld xmlns:a="http://schemas.openxmlformats.org/drawingml/2006/main" xmlns:r="http://schemas.openxmlformats.org/officeDocument/2006/relationships" xmlns:p="http://schemas.openxmlformats.org/presentationml/2006/main">
   <p:cSld>
@@ -5957,7 +6931,7 @@
           <a:p>
             <a:r>
               <a:rPr lang="en-US" dirty="0"/>
-              <a:t>Data from Kaggle – Dataset of Spotify Songs updated through 2024.</a:t>
+              <a:t>Data from Kaggle – Dataset of Spotify songs updated through 2024.</a:t>
             </a:r>
           </a:p>
           <a:p>
@@ -6185,7 +7159,7 @@
           <a:p>
             <a:r>
               <a:rPr lang="en-US" dirty="0"/>
-              <a:t>Majority of the songs on the platform were released after 2020.</a:t>
+              <a:t>Majority of the songs in the data were released after 2020.</a:t>
             </a:r>
           </a:p>
         </p:txBody>
@@ -6716,7 +7690,7 @@
           <a:p>
             <a:r>
               <a:rPr lang="en-US" dirty="0"/>
-              <a:t>Both major and minor modes on music appear equally represented on playlists and the number of streams.</a:t>
+              <a:t>Both major and minor modes of music appear equally represented on playlists and the number of streams.</a:t>
             </a:r>
           </a:p>
         </p:txBody>
@@ -6802,7 +7776,10 @@
           <a:bodyPr/>
           <a:lstStyle/>
           <a:p>
-            <a:endParaRPr lang="en-US"/>
+            <a:r>
+              <a:rPr lang="en-US" dirty="0"/>
+              <a:t>Relationship of Streams to Playlist Metrics</a:t>
+            </a:r>
           </a:p>
         </p:txBody>
       </p:sp>
@@ -6822,15 +7799,68 @@
             <p:ph idx="1"/>
           </p:nvPr>
         </p:nvSpPr>
-        <p:spPr/>
+        <p:spPr>
+          <a:xfrm>
+            <a:off x="677334" y="2160589"/>
+            <a:ext cx="3508410" cy="3880773"/>
+          </a:xfrm>
+        </p:spPr>
         <p:txBody>
           <a:bodyPr/>
           <a:lstStyle/>
           <a:p>
-            <a:endParaRPr lang="en-US"/>
-          </a:p>
-        </p:txBody>
-      </p:sp>
+            <a:r>
+              <a:rPr lang="en-US" dirty="0"/>
+              <a:t>Streams had the most linear relationship to the metrics in Spotify, Apple, and Deezer playlists. </a:t>
+            </a:r>
+          </a:p>
+          <a:p>
+            <a:r>
+              <a:rPr lang="en-US" dirty="0"/>
+              <a:t>P-value and correlation metrics indicated I could create a linear model. </a:t>
+            </a:r>
+          </a:p>
+          <a:p>
+            <a:r>
+              <a:rPr lang="en-US" dirty="0"/>
+              <a:t>Chart appearances and audio features didn’t show much of a correlation to streams.</a:t>
+            </a:r>
+          </a:p>
+          <a:p>
+            <a:endParaRPr lang="en-US" dirty="0"/>
+          </a:p>
+        </p:txBody>
+      </p:sp>
+      <p:pic>
+        <p:nvPicPr>
+          <p:cNvPr id="4" name="Picture 3">
+            <a:extLst>
+              <a:ext uri="{FF2B5EF4-FFF2-40B4-BE49-F238E27FC236}">
+                <a16:creationId xmlns:a16="http://schemas.microsoft.com/office/drawing/2014/main" id="{9BF15A19-6CB1-6DD1-B948-BF283D75D788}"/>
+              </a:ext>
+            </a:extLst>
+          </p:cNvPr>
+          <p:cNvPicPr>
+            <a:picLocks noChangeAspect="1"/>
+          </p:cNvPicPr>
+          <p:nvPr/>
+        </p:nvPicPr>
+        <p:blipFill>
+          <a:blip r:embed="rId2"/>
+          <a:stretch>
+            <a:fillRect/>
+          </a:stretch>
+        </p:blipFill>
+        <p:spPr>
+          <a:xfrm>
+            <a:off x="4185744" y="1846283"/>
+            <a:ext cx="7772400" cy="4826069"/>
+          </a:xfrm>
+          <a:prstGeom prst="rect">
+            <a:avLst/>
+          </a:prstGeom>
+        </p:spPr>
+      </p:pic>
     </p:spTree>
     <p:extLst>
       <p:ext uri="{BB962C8B-B14F-4D97-AF65-F5344CB8AC3E}">
@@ -7099,4 +8129,299 @@
     </a:ext>
   </a:extLst>
 </a:theme>
+</file>
+
+<file path=ppt/theme/theme2.xml><?xml version="1.0" encoding="utf-8"?>
+<a:theme xmlns:a="http://schemas.openxmlformats.org/drawingml/2006/main" name="Office Theme">
+  <a:themeElements>
+    <a:clrScheme name="Office">
+      <a:dk1>
+        <a:sysClr val="windowText" lastClr="000000"/>
+      </a:dk1>
+      <a:lt1>
+        <a:sysClr val="window" lastClr="FFFFFF"/>
+      </a:lt1>
+      <a:dk2>
+        <a:srgbClr val="44546A"/>
+      </a:dk2>
+      <a:lt2>
+        <a:srgbClr val="E7E6E6"/>
+      </a:lt2>
+      <a:accent1>
+        <a:srgbClr val="4472C4"/>
+      </a:accent1>
+      <a:accent2>
+        <a:srgbClr val="ED7D31"/>
+      </a:accent2>
+      <a:accent3>
+        <a:srgbClr val="A5A5A5"/>
+      </a:accent3>
+      <a:accent4>
+        <a:srgbClr val="FFC000"/>
+      </a:accent4>
+      <a:accent5>
+        <a:srgbClr val="5B9BD5"/>
+      </a:accent5>
+      <a:accent6>
+        <a:srgbClr val="70AD47"/>
+      </a:accent6>
+      <a:hlink>
+        <a:srgbClr val="0563C1"/>
+      </a:hlink>
+      <a:folHlink>
+        <a:srgbClr val="954F72"/>
+      </a:folHlink>
+    </a:clrScheme>
+    <a:fontScheme name="Office">
+      <a:majorFont>
+        <a:latin typeface="Calibri Light" panose="020F0302020204030204"/>
+        <a:ea typeface=""/>
+        <a:cs typeface=""/>
+        <a:font script="Jpan" typeface="游ゴシック Light"/>
+        <a:font script="Hang" typeface="맑은 고딕"/>
+        <a:font script="Hans" typeface="等线 Light"/>
+        <a:font script="Hant" typeface="新細明體"/>
+        <a:font script="Arab" typeface="Times New Roman"/>
+        <a:font script="Hebr" typeface="Times New Roman"/>
+        <a:font script="Thai" typeface="Angsana New"/>
+        <a:font script="Ethi" typeface="Nyala"/>
+        <a:font script="Beng" typeface="Vrinda"/>
+        <a:font script="Gujr" typeface="Shruti"/>
+        <a:font script="Khmr" typeface="MoolBoran"/>
+        <a:font script="Knda" typeface="Tunga"/>
+        <a:font script="Guru" typeface="Raavi"/>
+        <a:font script="Cans" typeface="Euphemia"/>
+        <a:font script="Cher" typeface="Plantagenet Cherokee"/>
+        <a:font script="Yiii" typeface="Microsoft Yi Baiti"/>
+        <a:font script="Tibt" typeface="Microsoft Himalaya"/>
+        <a:font script="Thaa" typeface="MV Boli"/>
+        <a:font script="Deva" typeface="Mangal"/>
+        <a:font script="Telu" typeface="Gautami"/>
+        <a:font script="Taml" typeface="Latha"/>
+        <a:font script="Syrc" typeface="Estrangelo Edessa"/>
+        <a:font script="Orya" typeface="Kalinga"/>
+        <a:font script="Mlym" typeface="Kartika"/>
+        <a:font script="Laoo" typeface="DokChampa"/>
+        <a:font script="Sinh" typeface="Iskoola Pota"/>
+        <a:font script="Mong" typeface="Mongolian Baiti"/>
+        <a:font script="Viet" typeface="Times New Roman"/>
+        <a:font script="Uigh" typeface="Microsoft Uighur"/>
+        <a:font script="Geor" typeface="Sylfaen"/>
+        <a:font script="Armn" typeface="Arial"/>
+        <a:font script="Bugi" typeface="Leelawadee UI"/>
+        <a:font script="Bopo" typeface="Microsoft JhengHei"/>
+        <a:font script="Java" typeface="Javanese Text"/>
+        <a:font script="Lisu" typeface="Segoe UI"/>
+        <a:font script="Mymr" typeface="Myanmar Text"/>
+        <a:font script="Nkoo" typeface="Ebrima"/>
+        <a:font script="Olck" typeface="Nirmala UI"/>
+        <a:font script="Osma" typeface="Ebrima"/>
+        <a:font script="Phag" typeface="Phagspa"/>
+        <a:font script="Syrn" typeface="Estrangelo Edessa"/>
+        <a:font script="Syrj" typeface="Estrangelo Edessa"/>
+        <a:font script="Syre" typeface="Estrangelo Edessa"/>
+        <a:font script="Sora" typeface="Nirmala UI"/>
+        <a:font script="Tale" typeface="Microsoft Tai Le"/>
+        <a:font script="Talu" typeface="Microsoft New Tai Lue"/>
+        <a:font script="Tfng" typeface="Ebrima"/>
+      </a:majorFont>
+      <a:minorFont>
+        <a:latin typeface="Calibri" panose="020F0502020204030204"/>
+        <a:ea typeface=""/>
+        <a:cs typeface=""/>
+        <a:font script="Jpan" typeface="游ゴシック"/>
+        <a:font script="Hang" typeface="맑은 고딕"/>
+        <a:font script="Hans" typeface="等线"/>
+        <a:font script="Hant" typeface="新細明體"/>
+        <a:font script="Arab" typeface="Arial"/>
+        <a:font script="Hebr" typeface="Arial"/>
+        <a:font script="Thai" typeface="Cordia New"/>
+        <a:font script="Ethi" typeface="Nyala"/>
+        <a:font script="Beng" typeface="Vrinda"/>
+        <a:font script="Gujr" typeface="Shruti"/>
+        <a:font script="Khmr" typeface="DaunPenh"/>
+        <a:font script="Knda" typeface="Tunga"/>
+        <a:font script="Guru" typeface="Raavi"/>
+        <a:font script="Cans" typeface="Euphemia"/>
+        <a:font script="Cher" typeface="Plantagenet Cherokee"/>
+        <a:font script="Yiii" typeface="Microsoft Yi Baiti"/>
+        <a:font script="Tibt" typeface="Microsoft Himalaya"/>
+        <a:font script="Thaa" typeface="MV Boli"/>
+        <a:font script="Deva" typeface="Mangal"/>
+        <a:font script="Telu" typeface="Gautami"/>
+        <a:font script="Taml" typeface="Latha"/>
+        <a:font script="Syrc" typeface="Estrangelo Edessa"/>
+        <a:font script="Orya" typeface="Kalinga"/>
+        <a:font script="Mlym" typeface="Kartika"/>
+        <a:font script="Laoo" typeface="DokChampa"/>
+        <a:font script="Sinh" typeface="Iskoola Pota"/>
+        <a:font script="Mong" typeface="Mongolian Baiti"/>
+        <a:font script="Viet" typeface="Arial"/>
+        <a:font script="Uigh" typeface="Microsoft Uighur"/>
+        <a:font script="Geor" typeface="Sylfaen"/>
+        <a:font script="Armn" typeface="Arial"/>
+        <a:font script="Bugi" typeface="Leelawadee UI"/>
+        <a:font script="Bopo" typeface="Microsoft JhengHei"/>
+        <a:font script="Java" typeface="Javanese Text"/>
+        <a:font script="Lisu" typeface="Segoe UI"/>
+        <a:font script="Mymr" typeface="Myanmar Text"/>
+        <a:font script="Nkoo" typeface="Ebrima"/>
+        <a:font script="Olck" typeface="Nirmala UI"/>
+        <a:font script="Osma" typeface="Ebrima"/>
+        <a:font script="Phag" typeface="Phagspa"/>
+        <a:font script="Syrn" typeface="Estrangelo Edessa"/>
+        <a:font script="Syrj" typeface="Estrangelo Edessa"/>
+        <a:font script="Syre" typeface="Estrangelo Edessa"/>
+        <a:font script="Sora" typeface="Nirmala UI"/>
+        <a:font script="Tale" typeface="Microsoft Tai Le"/>
+        <a:font script="Talu" typeface="Microsoft New Tai Lue"/>
+        <a:font script="Tfng" typeface="Ebrima"/>
+      </a:minorFont>
+    </a:fontScheme>
+    <a:fmtScheme name="Office">
+      <a:fillStyleLst>
+        <a:solidFill>
+          <a:schemeClr val="phClr"/>
+        </a:solidFill>
+        <a:gradFill rotWithShape="1">
+          <a:gsLst>
+            <a:gs pos="0">
+              <a:schemeClr val="phClr">
+                <a:lumMod val="110000"/>
+                <a:satMod val="105000"/>
+                <a:tint val="67000"/>
+              </a:schemeClr>
+            </a:gs>
+            <a:gs pos="50000">
+              <a:schemeClr val="phClr">
+                <a:lumMod val="105000"/>
+                <a:satMod val="103000"/>
+                <a:tint val="73000"/>
+              </a:schemeClr>
+            </a:gs>
+            <a:gs pos="100000">
+              <a:schemeClr val="phClr">
+                <a:lumMod val="105000"/>
+                <a:satMod val="109000"/>
+                <a:tint val="81000"/>
+              </a:schemeClr>
+            </a:gs>
+          </a:gsLst>
+          <a:lin ang="5400000" scaled="0"/>
+        </a:gradFill>
+        <a:gradFill rotWithShape="1">
+          <a:gsLst>
+            <a:gs pos="0">
+              <a:schemeClr val="phClr">
+                <a:satMod val="103000"/>
+                <a:lumMod val="102000"/>
+                <a:tint val="94000"/>
+              </a:schemeClr>
+            </a:gs>
+            <a:gs pos="50000">
+              <a:schemeClr val="phClr">
+                <a:satMod val="110000"/>
+                <a:lumMod val="100000"/>
+                <a:shade val="100000"/>
+              </a:schemeClr>
+            </a:gs>
+            <a:gs pos="100000">
+              <a:schemeClr val="phClr">
+                <a:lumMod val="99000"/>
+                <a:satMod val="120000"/>
+                <a:shade val="78000"/>
+              </a:schemeClr>
+            </a:gs>
+          </a:gsLst>
+          <a:lin ang="5400000" scaled="0"/>
+        </a:gradFill>
+      </a:fillStyleLst>
+      <a:lnStyleLst>
+        <a:ln w="6350" cap="flat" cmpd="sng" algn="ctr">
+          <a:solidFill>
+            <a:schemeClr val="phClr"/>
+          </a:solidFill>
+          <a:prstDash val="solid"/>
+          <a:miter lim="800000"/>
+        </a:ln>
+        <a:ln w="12700" cap="flat" cmpd="sng" algn="ctr">
+          <a:solidFill>
+            <a:schemeClr val="phClr"/>
+          </a:solidFill>
+          <a:prstDash val="solid"/>
+          <a:miter lim="800000"/>
+        </a:ln>
+        <a:ln w="19050" cap="flat" cmpd="sng" algn="ctr">
+          <a:solidFill>
+            <a:schemeClr val="phClr"/>
+          </a:solidFill>
+          <a:prstDash val="solid"/>
+          <a:miter lim="800000"/>
+        </a:ln>
+      </a:lnStyleLst>
+      <a:effectStyleLst>
+        <a:effectStyle>
+          <a:effectLst/>
+        </a:effectStyle>
+        <a:effectStyle>
+          <a:effectLst/>
+        </a:effectStyle>
+        <a:effectStyle>
+          <a:effectLst>
+            <a:outerShdw blurRad="57150" dist="19050" dir="5400000" algn="ctr" rotWithShape="0">
+              <a:srgbClr val="000000">
+                <a:alpha val="63000"/>
+              </a:srgbClr>
+            </a:outerShdw>
+          </a:effectLst>
+        </a:effectStyle>
+      </a:effectStyleLst>
+      <a:bgFillStyleLst>
+        <a:solidFill>
+          <a:schemeClr val="phClr"/>
+        </a:solidFill>
+        <a:solidFill>
+          <a:schemeClr val="phClr">
+            <a:tint val="95000"/>
+            <a:satMod val="170000"/>
+          </a:schemeClr>
+        </a:solidFill>
+        <a:gradFill rotWithShape="1">
+          <a:gsLst>
+            <a:gs pos="0">
+              <a:schemeClr val="phClr">
+                <a:tint val="93000"/>
+                <a:satMod val="150000"/>
+                <a:shade val="98000"/>
+                <a:lumMod val="102000"/>
+              </a:schemeClr>
+            </a:gs>
+            <a:gs pos="50000">
+              <a:schemeClr val="phClr">
+                <a:tint val="98000"/>
+                <a:satMod val="130000"/>
+                <a:shade val="90000"/>
+                <a:lumMod val="103000"/>
+              </a:schemeClr>
+            </a:gs>
+            <a:gs pos="100000">
+              <a:schemeClr val="phClr">
+                <a:shade val="63000"/>
+                <a:satMod val="120000"/>
+              </a:schemeClr>
+            </a:gs>
+          </a:gsLst>
+          <a:lin ang="5400000" scaled="0"/>
+        </a:gradFill>
+      </a:bgFillStyleLst>
+    </a:fmtScheme>
+  </a:themeElements>
+  <a:objectDefaults/>
+  <a:extraClrSchemeLst/>
+  <a:extLst>
+    <a:ext uri="{05A4C25C-085E-4340-85A3-A5531E510DB2}">
+      <thm15:themeFamily xmlns:thm15="http://schemas.microsoft.com/office/thememl/2012/main" name="Office Theme" id="{62F939B6-93AF-4DB8-9C6B-D6C7DFDC589F}" vid="{4A3C46E8-61CC-4603-A589-7422A47A8E4A}"/>
+    </a:ext>
+  </a:extLst>
+</a:theme>
 </file>
--- a/Spotify Data Presentation.pptx
+++ b/Spotify Data Presentation.pptx
@@ -210,7 +210,7 @@
           <a:p>
             <a:fld id="{E5F40EF8-8A1B-EC41-B37E-EDBB89CD72B1}" type="datetimeFigureOut">
               <a:rPr lang="en-US" smtClean="0"/>
-              <a:t>8/13/25</a:t>
+              <a:t>8/23/25</a:t>
             </a:fld>
             <a:endParaRPr lang="en-US"/>
           </a:p>
@@ -1284,7 +1284,7 @@
             <a:fld id="{B61BEF0D-F0BB-DE4B-95CE-6DB70DBA9567}" type="datetimeFigureOut">
               <a:rPr lang="en-US" dirty="0"/>
               <a:pPr/>
-              <a:t>8/12/25</a:t>
+              <a:t>8/23/25</a:t>
             </a:fld>
             <a:endParaRPr lang="en-US" dirty="0"/>
           </a:p>
@@ -1532,7 +1532,7 @@
             <a:fld id="{B61BEF0D-F0BB-DE4B-95CE-6DB70DBA9567}" type="datetimeFigureOut">
               <a:rPr lang="en-US" dirty="0"/>
               <a:pPr/>
-              <a:t>8/12/25</a:t>
+              <a:t>8/24/25</a:t>
             </a:fld>
             <a:endParaRPr lang="en-US" dirty="0"/>
           </a:p>
@@ -1843,7 +1843,7 @@
             <a:fld id="{B61BEF0D-F0BB-DE4B-95CE-6DB70DBA9567}" type="datetimeFigureOut">
               <a:rPr lang="en-US" dirty="0"/>
               <a:pPr/>
-              <a:t>8/12/25</a:t>
+              <a:t>8/24/25</a:t>
             </a:fld>
             <a:endParaRPr lang="en-US" dirty="0"/>
           </a:p>
@@ -2181,7 +2181,7 @@
             <a:fld id="{B61BEF0D-F0BB-DE4B-95CE-6DB70DBA9567}" type="datetimeFigureOut">
               <a:rPr lang="en-US" dirty="0"/>
               <a:pPr/>
-              <a:t>8/12/25</a:t>
+              <a:t>8/24/25</a:t>
             </a:fld>
             <a:endParaRPr lang="en-US" dirty="0"/>
           </a:p>
@@ -2492,7 +2492,7 @@
             <a:fld id="{B61BEF0D-F0BB-DE4B-95CE-6DB70DBA9567}" type="datetimeFigureOut">
               <a:rPr lang="en-US" dirty="0"/>
               <a:pPr/>
-              <a:t>8/12/25</a:t>
+              <a:t>8/24/25</a:t>
             </a:fld>
             <a:endParaRPr lang="en-US" dirty="0"/>
           </a:p>
@@ -2882,7 +2882,7 @@
             <a:fld id="{B61BEF0D-F0BB-DE4B-95CE-6DB70DBA9567}" type="datetimeFigureOut">
               <a:rPr lang="en-US" dirty="0"/>
               <a:pPr/>
-              <a:t>8/12/25</a:t>
+              <a:t>8/24/25</a:t>
             </a:fld>
             <a:endParaRPr lang="en-US" dirty="0"/>
           </a:p>
@@ -3048,7 +3048,7 @@
           <a:p>
             <a:fld id="{55C6B4A9-1611-4792-9094-5F34BCA07E0B}" type="datetimeFigureOut">
               <a:rPr lang="en-US" dirty="0"/>
-              <a:t>8/12/25</a:t>
+              <a:t>8/24/25</a:t>
             </a:fld>
             <a:endParaRPr lang="en-US" dirty="0"/>
           </a:p>
@@ -3224,7 +3224,7 @@
             <a:fld id="{B61BEF0D-F0BB-DE4B-95CE-6DB70DBA9567}" type="datetimeFigureOut">
               <a:rPr lang="en-US" dirty="0"/>
               <a:pPr/>
-              <a:t>8/12/25</a:t>
+              <a:t>8/24/25</a:t>
             </a:fld>
             <a:endParaRPr lang="en-US" dirty="0"/>
           </a:p>
@@ -3397,7 +3397,7 @@
             <a:fld id="{B61BEF0D-F0BB-DE4B-95CE-6DB70DBA9567}" type="datetimeFigureOut">
               <a:rPr lang="en-US" dirty="0"/>
               <a:pPr/>
-              <a:t>8/12/25</a:t>
+              <a:t>8/23/25</a:t>
             </a:fld>
             <a:endParaRPr lang="en-US" dirty="0"/>
           </a:p>
@@ -3641,7 +3641,7 @@
             <a:fld id="{B61BEF0D-F0BB-DE4B-95CE-6DB70DBA9567}" type="datetimeFigureOut">
               <a:rPr lang="en-US" dirty="0"/>
               <a:pPr/>
-              <a:t>8/12/25</a:t>
+              <a:t>8/24/25</a:t>
             </a:fld>
             <a:endParaRPr lang="en-US" dirty="0"/>
           </a:p>
@@ -3869,7 +3869,7 @@
           <a:p>
             <a:fld id="{EB712588-04B1-427B-82EE-E8DB90309F08}" type="datetimeFigureOut">
               <a:rPr lang="en-US" dirty="0"/>
-              <a:t>8/12/25</a:t>
+              <a:t>8/24/25</a:t>
             </a:fld>
             <a:endParaRPr lang="en-US" dirty="0"/>
           </a:p>
@@ -4239,7 +4239,7 @@
             <a:fld id="{B61BEF0D-F0BB-DE4B-95CE-6DB70DBA9567}" type="datetimeFigureOut">
               <a:rPr lang="en-US" dirty="0"/>
               <a:pPr/>
-              <a:t>8/12/25</a:t>
+              <a:t>8/24/25</a:t>
             </a:fld>
             <a:endParaRPr lang="en-US" dirty="0"/>
           </a:p>
@@ -4359,7 +4359,7 @@
             <a:fld id="{B61BEF0D-F0BB-DE4B-95CE-6DB70DBA9567}" type="datetimeFigureOut">
               <a:rPr lang="en-US" dirty="0"/>
               <a:pPr/>
-              <a:t>8/12/25</a:t>
+              <a:t>8/23/25</a:t>
             </a:fld>
             <a:endParaRPr lang="en-US" dirty="0"/>
           </a:p>
@@ -4451,7 +4451,7 @@
             <a:fld id="{B61BEF0D-F0BB-DE4B-95CE-6DB70DBA9567}" type="datetimeFigureOut">
               <a:rPr lang="en-US" dirty="0"/>
               <a:pPr/>
-              <a:t>8/12/25</a:t>
+              <a:t>8/24/25</a:t>
             </a:fld>
             <a:endParaRPr lang="en-US" dirty="0"/>
           </a:p>
@@ -4702,7 +4702,7 @@
           <a:p>
             <a:fld id="{42A54C80-263E-416B-A8E0-580EDEADCBDC}" type="datetimeFigureOut">
               <a:rPr lang="en-US" dirty="0"/>
-              <a:t>8/12/25</a:t>
+              <a:t>8/24/25</a:t>
             </a:fld>
             <a:endParaRPr lang="en-US" dirty="0"/>
           </a:p>
@@ -4961,7 +4961,7 @@
             <a:fld id="{B61BEF0D-F0BB-DE4B-95CE-6DB70DBA9567}" type="datetimeFigureOut">
               <a:rPr lang="en-US" dirty="0"/>
               <a:pPr/>
-              <a:t>8/12/25</a:t>
+              <a:t>8/24/25</a:t>
             </a:fld>
             <a:endParaRPr lang="en-US" dirty="0"/>
           </a:p>
@@ -5701,7 +5701,7 @@
             <a:fld id="{B61BEF0D-F0BB-DE4B-95CE-6DB70DBA9567}" type="datetimeFigureOut">
               <a:rPr lang="en-US" dirty="0"/>
               <a:pPr/>
-              <a:t>8/12/25</a:t>
+              <a:t>8/23/25</a:t>
             </a:fld>
             <a:endParaRPr lang="en-US" dirty="0"/>
           </a:p>
@@ -6287,7 +6287,7 @@
           <a:p>
             <a:r>
               <a:rPr lang="en-US" dirty="0"/>
-              <a:t>8/9/25</a:t>
+              <a:t>8/29/25</a:t>
             </a:r>
           </a:p>
         </p:txBody>
